--- a/Instructions/Connection Presentation.pptx
+++ b/Instructions/Connection Presentation.pptx
@@ -10,6 +10,9 @@
     <p:sldId id="258" r:id="rId4"/>
     <p:sldId id="259" r:id="rId5"/>
     <p:sldId id="260" r:id="rId6"/>
+    <p:sldId id="261" r:id="rId7"/>
+    <p:sldId id="262" r:id="rId8"/>
+    <p:sldId id="263" r:id="rId9"/>
   </p:sldIdLst>
   <p:sldSz cx="12192000" cy="6858000"/>
   <p:notesSz cx="6858000" cy="9144000"/>
@@ -118,9 +121,15 @@
             <p14:sldId id="258"/>
             <p14:sldId id="259"/>
             <p14:sldId id="260"/>
+            <p14:sldId id="261"/>
+            <p14:sldId id="262"/>
+            <p14:sldId id="263"/>
           </p14:sldIdLst>
         </p14:section>
       </p14:sectionLst>
+    </p:ext>
+    <p:ext uri="{EFAFB233-063F-42B5-8137-9DF3F51BA10A}">
+      <p15:sldGuideLst xmlns:p15="http://schemas.microsoft.com/office/powerpoint/2012/main"/>
     </p:ext>
   </p:extLst>
 </p:presentation>
@@ -3409,8 +3418,8 @@
         </p:nvSpPr>
         <p:spPr>
           <a:xfrm>
-            <a:off x="335561" y="4404297"/>
-            <a:ext cx="11610362" cy="1569660"/>
+            <a:off x="1770078" y="4647578"/>
+            <a:ext cx="8934274" cy="2062103"/>
           </a:xfrm>
           <a:prstGeom prst="rect">
             <a:avLst/>
@@ -3484,7 +3493,7 @@
                 <a:latin typeface="Montserrat" panose="00000500000000000000" pitchFamily="2" charset="0"/>
                 <a:ea typeface="Roboto" panose="02000000000000000000" pitchFamily="2" charset="0"/>
               </a:rPr>
-              <a:t>(?) – Connecting Time-Track to Database From Office</a:t>
+              <a:t>(6) – Connecting Time-Track to Database</a:t>
             </a:r>
           </a:p>
           <a:p>
@@ -3502,8 +3511,44 @@
                 <a:latin typeface="Montserrat" panose="00000500000000000000" pitchFamily="2" charset="0"/>
                 <a:ea typeface="Roboto" panose="02000000000000000000" pitchFamily="2" charset="0"/>
               </a:rPr>
-              <a:t>(?) – Connecting Time-Track to Database From Shop</a:t>
-            </a:r>
+              <a:t>(8) – Connection Reset/</a:t>
+            </a:r>
+            <a:r>
+              <a:rPr lang="en-US" sz="3200">
+                <a:solidFill>
+                  <a:schemeClr val="tx2">
+                    <a:lumMod val="75000"/>
+                  </a:schemeClr>
+                </a:solidFill>
+                <a:latin typeface="Montserrat" panose="00000500000000000000" pitchFamily="2" charset="0"/>
+                <a:ea typeface="Roboto" panose="02000000000000000000" pitchFamily="2" charset="0"/>
+              </a:rPr>
+              <a:t>TroubleShoot</a:t>
+            </a:r>
+            <a:endParaRPr lang="en-US" sz="3200" dirty="0">
+              <a:solidFill>
+                <a:schemeClr val="tx2">
+                  <a:lumMod val="75000"/>
+                </a:schemeClr>
+              </a:solidFill>
+              <a:latin typeface="Montserrat" panose="00000500000000000000" pitchFamily="2" charset="0"/>
+              <a:ea typeface="Roboto" panose="02000000000000000000" pitchFamily="2" charset="0"/>
+            </a:endParaRPr>
+          </a:p>
+          <a:p>
+            <a:pPr marL="571500" indent="-571500">
+              <a:buFont typeface="Arial" panose="020B0604020202020204" pitchFamily="34" charset="0"/>
+              <a:buChar char="•"/>
+            </a:pPr>
+            <a:endParaRPr lang="en-US" sz="3200" dirty="0">
+              <a:solidFill>
+                <a:schemeClr val="tx2">
+                  <a:lumMod val="75000"/>
+                </a:schemeClr>
+              </a:solidFill>
+              <a:latin typeface="Montserrat" panose="00000500000000000000" pitchFamily="2" charset="0"/>
+              <a:ea typeface="Roboto" panose="02000000000000000000" pitchFamily="2" charset="0"/>
+            </a:endParaRPr>
           </a:p>
         </p:txBody>
       </p:sp>
@@ -5018,7 +5063,7 @@
         <p:spPr>
           <a:xfrm>
             <a:off x="4760007" y="1682593"/>
-            <a:ext cx="2750323" cy="0"/>
+            <a:ext cx="2370635" cy="0"/>
           </a:xfrm>
           <a:prstGeom prst="straightConnector1">
             <a:avLst/>
@@ -5310,6 +5355,904 @@
     <p:extLst>
       <p:ext uri="{BB962C8B-B14F-4D97-AF65-F5344CB8AC3E}">
         <p14:creationId xmlns:p14="http://schemas.microsoft.com/office/powerpoint/2010/main" val="2136907108"/>
+      </p:ext>
+    </p:extLst>
+  </p:cSld>
+  <p:clrMapOvr>
+    <a:masterClrMapping/>
+  </p:clrMapOvr>
+</p:sld>
+</file>
+
+<file path=ppt/slides/slide6.xml><?xml version="1.0" encoding="utf-8"?>
+<p:sld xmlns:a="http://schemas.openxmlformats.org/drawingml/2006/main" xmlns:r="http://schemas.openxmlformats.org/officeDocument/2006/relationships" xmlns:p="http://schemas.openxmlformats.org/presentationml/2006/main">
+  <p:cSld>
+    <p:spTree>
+      <p:nvGrpSpPr>
+        <p:cNvPr id="1" name=""/>
+        <p:cNvGrpSpPr/>
+        <p:nvPr/>
+      </p:nvGrpSpPr>
+      <p:grpSpPr>
+        <a:xfrm>
+          <a:off x="0" y="0"/>
+          <a:ext cx="0" cy="0"/>
+          <a:chOff x="0" y="0"/>
+          <a:chExt cx="0" cy="0"/>
+        </a:xfrm>
+      </p:grpSpPr>
+      <p:sp>
+        <p:nvSpPr>
+          <p:cNvPr id="4" name="TextBox 3">
+            <a:extLst>
+              <a:ext uri="{FF2B5EF4-FFF2-40B4-BE49-F238E27FC236}">
+                <a16:creationId xmlns:a16="http://schemas.microsoft.com/office/drawing/2014/main" id="{01BE8D5D-AA61-4977-9C9F-4089F50450CD}"/>
+              </a:ext>
+            </a:extLst>
+          </p:cNvPr>
+          <p:cNvSpPr txBox="1"/>
+          <p:nvPr/>
+        </p:nvSpPr>
+        <p:spPr>
+          <a:xfrm>
+            <a:off x="452963" y="419526"/>
+            <a:ext cx="1896673" cy="707886"/>
+          </a:xfrm>
+          <a:prstGeom prst="rect">
+            <a:avLst/>
+          </a:prstGeom>
+          <a:solidFill>
+            <a:schemeClr val="accent6">
+              <a:lumMod val="60000"/>
+              <a:lumOff val="40000"/>
+            </a:schemeClr>
+          </a:solidFill>
+          <a:ln>
+            <a:noFill/>
+          </a:ln>
+        </p:spPr>
+        <p:txBody>
+          <a:bodyPr wrap="none" rtlCol="0">
+            <a:spAutoFit/>
+          </a:bodyPr>
+          <a:lstStyle/>
+          <a:p>
+            <a:r>
+              <a:rPr lang="en-US" sz="4000" dirty="0">
+                <a:solidFill>
+                  <a:schemeClr val="tx2">
+                    <a:lumMod val="75000"/>
+                  </a:schemeClr>
+                </a:solidFill>
+                <a:latin typeface="Montserrat" panose="00000500000000000000" pitchFamily="2" charset="0"/>
+                <a:ea typeface="Roboto" panose="02000000000000000000" pitchFamily="2" charset="0"/>
+              </a:rPr>
+              <a:t>Step 5:</a:t>
+            </a:r>
+          </a:p>
+        </p:txBody>
+      </p:sp>
+      <p:pic>
+        <p:nvPicPr>
+          <p:cNvPr id="5" name="Picture 4">
+            <a:extLst>
+              <a:ext uri="{FF2B5EF4-FFF2-40B4-BE49-F238E27FC236}">
+                <a16:creationId xmlns:a16="http://schemas.microsoft.com/office/drawing/2014/main" id="{5905536F-B57A-4926-9A10-E4847E1FFBD4}"/>
+              </a:ext>
+            </a:extLst>
+          </p:cNvPr>
+          <p:cNvPicPr>
+            <a:picLocks noChangeAspect="1"/>
+          </p:cNvPicPr>
+          <p:nvPr/>
+        </p:nvPicPr>
+        <p:blipFill>
+          <a:blip r:embed="rId2"/>
+          <a:stretch>
+            <a:fillRect/>
+          </a:stretch>
+        </p:blipFill>
+        <p:spPr>
+          <a:xfrm>
+            <a:off x="4202884" y="854840"/>
+            <a:ext cx="7071745" cy="4109039"/>
+          </a:xfrm>
+          <a:prstGeom prst="rect">
+            <a:avLst/>
+          </a:prstGeom>
+        </p:spPr>
+      </p:pic>
+      <p:sp>
+        <p:nvSpPr>
+          <p:cNvPr id="6" name="TextBox 5">
+            <a:extLst>
+              <a:ext uri="{FF2B5EF4-FFF2-40B4-BE49-F238E27FC236}">
+                <a16:creationId xmlns:a16="http://schemas.microsoft.com/office/drawing/2014/main" id="{FCEA3064-DB58-4D63-824F-751FC3F9360C}"/>
+              </a:ext>
+            </a:extLst>
+          </p:cNvPr>
+          <p:cNvSpPr txBox="1"/>
+          <p:nvPr/>
+        </p:nvSpPr>
+        <p:spPr>
+          <a:xfrm>
+            <a:off x="452963" y="1537119"/>
+            <a:ext cx="4135815" cy="276999"/>
+          </a:xfrm>
+          <a:prstGeom prst="rect">
+            <a:avLst/>
+          </a:prstGeom>
+          <a:solidFill>
+            <a:schemeClr val="accent6">
+              <a:lumMod val="60000"/>
+              <a:lumOff val="40000"/>
+            </a:schemeClr>
+          </a:solidFill>
+          <a:ln>
+            <a:noFill/>
+          </a:ln>
+        </p:spPr>
+        <p:txBody>
+          <a:bodyPr wrap="square" rtlCol="0">
+            <a:spAutoFit/>
+          </a:bodyPr>
+          <a:lstStyle/>
+          <a:p>
+            <a:r>
+              <a:rPr lang="en-US" sz="1200" dirty="0">
+                <a:solidFill>
+                  <a:schemeClr val="tx2">
+                    <a:lumMod val="75000"/>
+                  </a:schemeClr>
+                </a:solidFill>
+                <a:latin typeface="Montserrat" panose="00000500000000000000" pitchFamily="2" charset="0"/>
+                <a:ea typeface="Roboto" panose="02000000000000000000" pitchFamily="2" charset="0"/>
+              </a:rPr>
+              <a:t>Go to </a:t>
+            </a:r>
+            <a:r>
+              <a:rPr lang="en-US" sz="1200" dirty="0" err="1">
+                <a:solidFill>
+                  <a:schemeClr val="tx2">
+                    <a:lumMod val="75000"/>
+                  </a:schemeClr>
+                </a:solidFill>
+                <a:latin typeface="Montserrat" panose="00000500000000000000" pitchFamily="2" charset="0"/>
+                <a:ea typeface="Roboto" panose="02000000000000000000" pitchFamily="2" charset="0"/>
+              </a:rPr>
+              <a:t>DropBox</a:t>
+            </a:r>
+            <a:r>
+              <a:rPr lang="en-US" sz="1200" dirty="0">
+                <a:solidFill>
+                  <a:schemeClr val="tx2">
+                    <a:lumMod val="75000"/>
+                  </a:schemeClr>
+                </a:solidFill>
+                <a:latin typeface="Montserrat" panose="00000500000000000000" pitchFamily="2" charset="0"/>
+                <a:ea typeface="Roboto" panose="02000000000000000000" pitchFamily="2" charset="0"/>
+              </a:rPr>
+              <a:t> &gt; Joshua &gt; Time-Track &gt; Deployment </a:t>
+            </a:r>
+          </a:p>
+        </p:txBody>
+      </p:sp>
+      <p:sp>
+        <p:nvSpPr>
+          <p:cNvPr id="7" name="TextBox 6">
+            <a:extLst>
+              <a:ext uri="{FF2B5EF4-FFF2-40B4-BE49-F238E27FC236}">
+                <a16:creationId xmlns:a16="http://schemas.microsoft.com/office/drawing/2014/main" id="{53557CF6-F0E9-43FA-9144-235457EC1BAF}"/>
+              </a:ext>
+            </a:extLst>
+          </p:cNvPr>
+          <p:cNvSpPr txBox="1"/>
+          <p:nvPr/>
+        </p:nvSpPr>
+        <p:spPr>
+          <a:xfrm>
+            <a:off x="452963" y="2219398"/>
+            <a:ext cx="4135815" cy="276999"/>
+          </a:xfrm>
+          <a:prstGeom prst="rect">
+            <a:avLst/>
+          </a:prstGeom>
+          <a:solidFill>
+            <a:schemeClr val="accent6">
+              <a:lumMod val="60000"/>
+              <a:lumOff val="40000"/>
+            </a:schemeClr>
+          </a:solidFill>
+          <a:ln>
+            <a:noFill/>
+          </a:ln>
+        </p:spPr>
+        <p:txBody>
+          <a:bodyPr wrap="square" rtlCol="0">
+            <a:spAutoFit/>
+          </a:bodyPr>
+          <a:lstStyle/>
+          <a:p>
+            <a:r>
+              <a:rPr lang="en-US" sz="1200" dirty="0">
+                <a:solidFill>
+                  <a:schemeClr val="tx2">
+                    <a:lumMod val="75000"/>
+                  </a:schemeClr>
+                </a:solidFill>
+                <a:latin typeface="Montserrat" panose="00000500000000000000" pitchFamily="2" charset="0"/>
+                <a:ea typeface="Roboto" panose="02000000000000000000" pitchFamily="2" charset="0"/>
+              </a:rPr>
+              <a:t>Right click on ‘Time.exe’ and ‘Pin to Taskbar’</a:t>
+            </a:r>
+          </a:p>
+        </p:txBody>
+      </p:sp>
+    </p:spTree>
+    <p:extLst>
+      <p:ext uri="{BB962C8B-B14F-4D97-AF65-F5344CB8AC3E}">
+        <p14:creationId xmlns:p14="http://schemas.microsoft.com/office/powerpoint/2010/main" val="2619286080"/>
+      </p:ext>
+    </p:extLst>
+  </p:cSld>
+  <p:clrMapOvr>
+    <a:masterClrMapping/>
+  </p:clrMapOvr>
+</p:sld>
+</file>
+
+<file path=ppt/slides/slide7.xml><?xml version="1.0" encoding="utf-8"?>
+<p:sld xmlns:a="http://schemas.openxmlformats.org/drawingml/2006/main" xmlns:r="http://schemas.openxmlformats.org/officeDocument/2006/relationships" xmlns:p="http://schemas.openxmlformats.org/presentationml/2006/main">
+  <p:cSld>
+    <p:spTree>
+      <p:nvGrpSpPr>
+        <p:cNvPr id="1" name=""/>
+        <p:cNvGrpSpPr/>
+        <p:nvPr/>
+      </p:nvGrpSpPr>
+      <p:grpSpPr>
+        <a:xfrm>
+          <a:off x="0" y="0"/>
+          <a:ext cx="0" cy="0"/>
+          <a:chOff x="0" y="0"/>
+          <a:chExt cx="0" cy="0"/>
+        </a:xfrm>
+      </p:grpSpPr>
+      <p:sp>
+        <p:nvSpPr>
+          <p:cNvPr id="4" name="TextBox 3">
+            <a:extLst>
+              <a:ext uri="{FF2B5EF4-FFF2-40B4-BE49-F238E27FC236}">
+                <a16:creationId xmlns:a16="http://schemas.microsoft.com/office/drawing/2014/main" id="{FA5A5343-0D5D-4A40-BDE1-8FC17952F598}"/>
+              </a:ext>
+            </a:extLst>
+          </p:cNvPr>
+          <p:cNvSpPr txBox="1"/>
+          <p:nvPr/>
+        </p:nvSpPr>
+        <p:spPr>
+          <a:xfrm>
+            <a:off x="452963" y="419526"/>
+            <a:ext cx="1920719" cy="707886"/>
+          </a:xfrm>
+          <a:prstGeom prst="rect">
+            <a:avLst/>
+          </a:prstGeom>
+          <a:solidFill>
+            <a:schemeClr val="accent6">
+              <a:lumMod val="60000"/>
+              <a:lumOff val="40000"/>
+            </a:schemeClr>
+          </a:solidFill>
+          <a:ln>
+            <a:noFill/>
+          </a:ln>
+        </p:spPr>
+        <p:txBody>
+          <a:bodyPr wrap="none" rtlCol="0">
+            <a:spAutoFit/>
+          </a:bodyPr>
+          <a:lstStyle/>
+          <a:p>
+            <a:r>
+              <a:rPr lang="en-US" sz="4000" dirty="0">
+                <a:solidFill>
+                  <a:schemeClr val="tx2">
+                    <a:lumMod val="75000"/>
+                  </a:schemeClr>
+                </a:solidFill>
+                <a:latin typeface="Montserrat" panose="00000500000000000000" pitchFamily="2" charset="0"/>
+                <a:ea typeface="Roboto" panose="02000000000000000000" pitchFamily="2" charset="0"/>
+              </a:rPr>
+              <a:t>Step 6:</a:t>
+            </a:r>
+          </a:p>
+        </p:txBody>
+      </p:sp>
+      <p:sp>
+        <p:nvSpPr>
+          <p:cNvPr id="5" name="TextBox 4">
+            <a:extLst>
+              <a:ext uri="{FF2B5EF4-FFF2-40B4-BE49-F238E27FC236}">
+                <a16:creationId xmlns:a16="http://schemas.microsoft.com/office/drawing/2014/main" id="{359B1C12-53AA-47A5-BB18-C6C0F20CDD2F}"/>
+              </a:ext>
+            </a:extLst>
+          </p:cNvPr>
+          <p:cNvSpPr txBox="1"/>
+          <p:nvPr/>
+        </p:nvSpPr>
+        <p:spPr>
+          <a:xfrm>
+            <a:off x="452963" y="1598612"/>
+            <a:ext cx="2768409" cy="276999"/>
+          </a:xfrm>
+          <a:prstGeom prst="rect">
+            <a:avLst/>
+          </a:prstGeom>
+          <a:solidFill>
+            <a:schemeClr val="accent6">
+              <a:lumMod val="60000"/>
+              <a:lumOff val="40000"/>
+            </a:schemeClr>
+          </a:solidFill>
+          <a:ln>
+            <a:noFill/>
+          </a:ln>
+        </p:spPr>
+        <p:txBody>
+          <a:bodyPr wrap="square" rtlCol="0">
+            <a:spAutoFit/>
+          </a:bodyPr>
+          <a:lstStyle/>
+          <a:p>
+            <a:r>
+              <a:rPr lang="en-US" sz="1200" dirty="0">
+                <a:solidFill>
+                  <a:schemeClr val="tx2">
+                    <a:lumMod val="75000"/>
+                  </a:schemeClr>
+                </a:solidFill>
+                <a:latin typeface="Montserrat" panose="00000500000000000000" pitchFamily="2" charset="0"/>
+                <a:ea typeface="Roboto" panose="02000000000000000000" pitchFamily="2" charset="0"/>
+              </a:rPr>
+              <a:t>Click  on the icon on you taskbar</a:t>
+            </a:r>
+          </a:p>
+        </p:txBody>
+      </p:sp>
+      <p:pic>
+        <p:nvPicPr>
+          <p:cNvPr id="9" name="Picture 8">
+            <a:extLst>
+              <a:ext uri="{FF2B5EF4-FFF2-40B4-BE49-F238E27FC236}">
+                <a16:creationId xmlns:a16="http://schemas.microsoft.com/office/drawing/2014/main" id="{5ABB00D1-9706-402A-B118-8CF367E61892}"/>
+              </a:ext>
+            </a:extLst>
+          </p:cNvPr>
+          <p:cNvPicPr>
+            <a:picLocks noChangeAspect="1"/>
+          </p:cNvPicPr>
+          <p:nvPr/>
+        </p:nvPicPr>
+        <p:blipFill>
+          <a:blip r:embed="rId2"/>
+          <a:stretch>
+            <a:fillRect/>
+          </a:stretch>
+        </p:blipFill>
+        <p:spPr>
+          <a:xfrm>
+            <a:off x="6126909" y="1272760"/>
+            <a:ext cx="945010" cy="1205702"/>
+          </a:xfrm>
+          <a:prstGeom prst="rect">
+            <a:avLst/>
+          </a:prstGeom>
+        </p:spPr>
+      </p:pic>
+      <p:cxnSp>
+        <p:nvCxnSpPr>
+          <p:cNvPr id="10" name="Straight Arrow Connector 9">
+            <a:extLst>
+              <a:ext uri="{FF2B5EF4-FFF2-40B4-BE49-F238E27FC236}">
+                <a16:creationId xmlns:a16="http://schemas.microsoft.com/office/drawing/2014/main" id="{EBDAF0B7-C5C3-4524-AE0B-0BA42396C174}"/>
+              </a:ext>
+            </a:extLst>
+          </p:cNvPr>
+          <p:cNvCxnSpPr>
+            <a:cxnSpLocks/>
+          </p:cNvCxnSpPr>
+          <p:nvPr/>
+        </p:nvCxnSpPr>
+        <p:spPr>
+          <a:xfrm>
+            <a:off x="3376586" y="1732927"/>
+            <a:ext cx="2554431" cy="0"/>
+          </a:xfrm>
+          <a:prstGeom prst="straightConnector1">
+            <a:avLst/>
+          </a:prstGeom>
+          <a:ln w="57150" cap="flat" cmpd="sng" algn="ctr">
+            <a:solidFill>
+              <a:schemeClr val="accent6">
+                <a:lumMod val="60000"/>
+                <a:lumOff val="40000"/>
+              </a:schemeClr>
+            </a:solidFill>
+            <a:prstDash val="solid"/>
+            <a:round/>
+            <a:headEnd type="none" w="med" len="med"/>
+            <a:tailEnd type="arrow" w="med" len="med"/>
+          </a:ln>
+        </p:spPr>
+        <p:style>
+          <a:lnRef idx="0">
+            <a:scrgbClr r="0" g="0" b="0"/>
+          </a:lnRef>
+          <a:fillRef idx="0">
+            <a:scrgbClr r="0" g="0" b="0"/>
+          </a:fillRef>
+          <a:effectRef idx="0">
+            <a:scrgbClr r="0" g="0" b="0"/>
+          </a:effectRef>
+          <a:fontRef idx="minor">
+            <a:schemeClr val="tx1"/>
+          </a:fontRef>
+        </p:style>
+      </p:cxnSp>
+      <p:pic>
+        <p:nvPicPr>
+          <p:cNvPr id="12" name="Picture 11">
+            <a:extLst>
+              <a:ext uri="{FF2B5EF4-FFF2-40B4-BE49-F238E27FC236}">
+                <a16:creationId xmlns:a16="http://schemas.microsoft.com/office/drawing/2014/main" id="{313A1836-CE99-4E66-B6BA-6A3EBBE8CFB4}"/>
+              </a:ext>
+            </a:extLst>
+          </p:cNvPr>
+          <p:cNvPicPr>
+            <a:picLocks noChangeAspect="1"/>
+          </p:cNvPicPr>
+          <p:nvPr/>
+        </p:nvPicPr>
+        <p:blipFill>
+          <a:blip r:embed="rId3"/>
+          <a:stretch>
+            <a:fillRect/>
+          </a:stretch>
+        </p:blipFill>
+        <p:spPr>
+          <a:xfrm>
+            <a:off x="1730014" y="3171038"/>
+            <a:ext cx="2378661" cy="2323182"/>
+          </a:xfrm>
+          <a:prstGeom prst="rect">
+            <a:avLst/>
+          </a:prstGeom>
+        </p:spPr>
+      </p:pic>
+      <p:sp>
+        <p:nvSpPr>
+          <p:cNvPr id="13" name="TextBox 12">
+            <a:extLst>
+              <a:ext uri="{FF2B5EF4-FFF2-40B4-BE49-F238E27FC236}">
+                <a16:creationId xmlns:a16="http://schemas.microsoft.com/office/drawing/2014/main" id="{3D6189E2-7E1D-491C-8A83-27946B3E3638}"/>
+              </a:ext>
+            </a:extLst>
+          </p:cNvPr>
+          <p:cNvSpPr txBox="1"/>
+          <p:nvPr/>
+        </p:nvSpPr>
+        <p:spPr>
+          <a:xfrm>
+            <a:off x="746576" y="2741023"/>
+            <a:ext cx="4345539" cy="276999"/>
+          </a:xfrm>
+          <a:prstGeom prst="rect">
+            <a:avLst/>
+          </a:prstGeom>
+          <a:solidFill>
+            <a:schemeClr val="accent6">
+              <a:lumMod val="60000"/>
+              <a:lumOff val="40000"/>
+            </a:schemeClr>
+          </a:solidFill>
+          <a:ln>
+            <a:noFill/>
+          </a:ln>
+        </p:spPr>
+        <p:txBody>
+          <a:bodyPr wrap="square" rtlCol="0">
+            <a:spAutoFit/>
+          </a:bodyPr>
+          <a:lstStyle/>
+          <a:p>
+            <a:r>
+              <a:rPr lang="en-US" sz="1200" dirty="0">
+                <a:solidFill>
+                  <a:schemeClr val="tx2">
+                    <a:lumMod val="75000"/>
+                  </a:schemeClr>
+                </a:solidFill>
+                <a:latin typeface="Montserrat" panose="00000500000000000000" pitchFamily="2" charset="0"/>
+                <a:ea typeface="Roboto" panose="02000000000000000000" pitchFamily="2" charset="0"/>
+              </a:rPr>
+              <a:t>To connect from the office choose the IP shown below</a:t>
+            </a:r>
+          </a:p>
+        </p:txBody>
+      </p:sp>
+      <p:sp>
+        <p:nvSpPr>
+          <p:cNvPr id="14" name="TextBox 13">
+            <a:extLst>
+              <a:ext uri="{FF2B5EF4-FFF2-40B4-BE49-F238E27FC236}">
+                <a16:creationId xmlns:a16="http://schemas.microsoft.com/office/drawing/2014/main" id="{95F92078-AD99-4288-B742-9EFA0215F25E}"/>
+              </a:ext>
+            </a:extLst>
+          </p:cNvPr>
+          <p:cNvSpPr txBox="1"/>
+          <p:nvPr/>
+        </p:nvSpPr>
+        <p:spPr>
+          <a:xfrm>
+            <a:off x="6192431" y="2741023"/>
+            <a:ext cx="4386086" cy="276999"/>
+          </a:xfrm>
+          <a:prstGeom prst="rect">
+            <a:avLst/>
+          </a:prstGeom>
+          <a:solidFill>
+            <a:schemeClr val="accent6">
+              <a:lumMod val="60000"/>
+              <a:lumOff val="40000"/>
+            </a:schemeClr>
+          </a:solidFill>
+          <a:ln>
+            <a:noFill/>
+          </a:ln>
+        </p:spPr>
+        <p:txBody>
+          <a:bodyPr wrap="square" rtlCol="0">
+            <a:spAutoFit/>
+          </a:bodyPr>
+          <a:lstStyle/>
+          <a:p>
+            <a:r>
+              <a:rPr lang="en-US" sz="1200" dirty="0">
+                <a:solidFill>
+                  <a:schemeClr val="tx2">
+                    <a:lumMod val="75000"/>
+                  </a:schemeClr>
+                </a:solidFill>
+                <a:latin typeface="Montserrat" panose="00000500000000000000" pitchFamily="2" charset="0"/>
+                <a:ea typeface="Roboto" panose="02000000000000000000" pitchFamily="2" charset="0"/>
+              </a:rPr>
+              <a:t>To connect from the office choose the IP shown below</a:t>
+            </a:r>
+          </a:p>
+        </p:txBody>
+      </p:sp>
+      <p:pic>
+        <p:nvPicPr>
+          <p:cNvPr id="15" name="Picture 14">
+            <a:extLst>
+              <a:ext uri="{FF2B5EF4-FFF2-40B4-BE49-F238E27FC236}">
+                <a16:creationId xmlns:a16="http://schemas.microsoft.com/office/drawing/2014/main" id="{CE4D551D-5450-4F25-AAB9-9DB0C1DCD86B}"/>
+              </a:ext>
+            </a:extLst>
+          </p:cNvPr>
+          <p:cNvPicPr>
+            <a:picLocks noChangeAspect="1"/>
+          </p:cNvPicPr>
+          <p:nvPr/>
+        </p:nvPicPr>
+        <p:blipFill>
+          <a:blip r:embed="rId4"/>
+          <a:stretch>
+            <a:fillRect/>
+          </a:stretch>
+        </p:blipFill>
+        <p:spPr>
+          <a:xfrm>
+            <a:off x="7196143" y="3095537"/>
+            <a:ext cx="2378662" cy="2323182"/>
+          </a:xfrm>
+          <a:prstGeom prst="rect">
+            <a:avLst/>
+          </a:prstGeom>
+        </p:spPr>
+      </p:pic>
+      <p:sp>
+        <p:nvSpPr>
+          <p:cNvPr id="16" name="TextBox 15">
+            <a:extLst>
+              <a:ext uri="{FF2B5EF4-FFF2-40B4-BE49-F238E27FC236}">
+                <a16:creationId xmlns:a16="http://schemas.microsoft.com/office/drawing/2014/main" id="{65D827EC-8AB4-41F4-8E11-1D14FA743D57}"/>
+              </a:ext>
+            </a:extLst>
+          </p:cNvPr>
+          <p:cNvSpPr txBox="1"/>
+          <p:nvPr/>
+        </p:nvSpPr>
+        <p:spPr>
+          <a:xfrm>
+            <a:off x="3466008" y="5770847"/>
+            <a:ext cx="3605912" cy="276999"/>
+          </a:xfrm>
+          <a:prstGeom prst="rect">
+            <a:avLst/>
+          </a:prstGeom>
+          <a:solidFill>
+            <a:schemeClr val="accent6">
+              <a:lumMod val="60000"/>
+              <a:lumOff val="40000"/>
+            </a:schemeClr>
+          </a:solidFill>
+          <a:ln>
+            <a:noFill/>
+          </a:ln>
+        </p:spPr>
+        <p:txBody>
+          <a:bodyPr wrap="square" rtlCol="0">
+            <a:spAutoFit/>
+          </a:bodyPr>
+          <a:lstStyle/>
+          <a:p>
+            <a:r>
+              <a:rPr lang="en-US" sz="1200" dirty="0">
+                <a:solidFill>
+                  <a:schemeClr val="tx2">
+                    <a:lumMod val="75000"/>
+                  </a:schemeClr>
+                </a:solidFill>
+                <a:latin typeface="Montserrat" panose="00000500000000000000" pitchFamily="2" charset="0"/>
+                <a:ea typeface="Roboto" panose="02000000000000000000" pitchFamily="2" charset="0"/>
+              </a:rPr>
+              <a:t>Then press the ‘?’ to validate the connection</a:t>
+            </a:r>
+          </a:p>
+        </p:txBody>
+      </p:sp>
+      <p:sp>
+        <p:nvSpPr>
+          <p:cNvPr id="17" name="TextBox 16">
+            <a:extLst>
+              <a:ext uri="{FF2B5EF4-FFF2-40B4-BE49-F238E27FC236}">
+                <a16:creationId xmlns:a16="http://schemas.microsoft.com/office/drawing/2014/main" id="{67D5BDC6-2602-46AD-949F-52EB72FD5272}"/>
+              </a:ext>
+            </a:extLst>
+          </p:cNvPr>
+          <p:cNvSpPr txBox="1"/>
+          <p:nvPr/>
+        </p:nvSpPr>
+        <p:spPr>
+          <a:xfrm>
+            <a:off x="3466008" y="6239382"/>
+            <a:ext cx="3605912" cy="276999"/>
+          </a:xfrm>
+          <a:prstGeom prst="rect">
+            <a:avLst/>
+          </a:prstGeom>
+          <a:solidFill>
+            <a:schemeClr val="accent6">
+              <a:lumMod val="60000"/>
+              <a:lumOff val="40000"/>
+            </a:schemeClr>
+          </a:solidFill>
+          <a:ln>
+            <a:noFill/>
+          </a:ln>
+        </p:spPr>
+        <p:txBody>
+          <a:bodyPr wrap="square" rtlCol="0">
+            <a:spAutoFit/>
+          </a:bodyPr>
+          <a:lstStyle/>
+          <a:p>
+            <a:r>
+              <a:rPr lang="en-US" sz="1200" dirty="0">
+                <a:solidFill>
+                  <a:schemeClr val="tx2">
+                    <a:lumMod val="75000"/>
+                  </a:schemeClr>
+                </a:solidFill>
+                <a:latin typeface="Montserrat" panose="00000500000000000000" pitchFamily="2" charset="0"/>
+                <a:ea typeface="Roboto" panose="02000000000000000000" pitchFamily="2" charset="0"/>
+              </a:rPr>
+              <a:t>And press ‘Connect’ to start Time-Track</a:t>
+            </a:r>
+          </a:p>
+        </p:txBody>
+      </p:sp>
+    </p:spTree>
+    <p:extLst>
+      <p:ext uri="{BB962C8B-B14F-4D97-AF65-F5344CB8AC3E}">
+        <p14:creationId xmlns:p14="http://schemas.microsoft.com/office/powerpoint/2010/main" val="3542304367"/>
+      </p:ext>
+    </p:extLst>
+  </p:cSld>
+  <p:clrMapOvr>
+    <a:masterClrMapping/>
+  </p:clrMapOvr>
+</p:sld>
+</file>
+
+<file path=ppt/slides/slide8.xml><?xml version="1.0" encoding="utf-8"?>
+<p:sld xmlns:a="http://schemas.openxmlformats.org/drawingml/2006/main" xmlns:r="http://schemas.openxmlformats.org/officeDocument/2006/relationships" xmlns:p="http://schemas.openxmlformats.org/presentationml/2006/main">
+  <p:cSld>
+    <p:spTree>
+      <p:nvGrpSpPr>
+        <p:cNvPr id="1" name=""/>
+        <p:cNvGrpSpPr/>
+        <p:nvPr/>
+      </p:nvGrpSpPr>
+      <p:grpSpPr>
+        <a:xfrm>
+          <a:off x="0" y="0"/>
+          <a:ext cx="0" cy="0"/>
+          <a:chOff x="0" y="0"/>
+          <a:chExt cx="0" cy="0"/>
+        </a:xfrm>
+      </p:grpSpPr>
+      <p:sp>
+        <p:nvSpPr>
+          <p:cNvPr id="4" name="TextBox 3">
+            <a:extLst>
+              <a:ext uri="{FF2B5EF4-FFF2-40B4-BE49-F238E27FC236}">
+                <a16:creationId xmlns:a16="http://schemas.microsoft.com/office/drawing/2014/main" id="{C436A8C5-F111-47E9-B883-13A5BBE60BA0}"/>
+              </a:ext>
+            </a:extLst>
+          </p:cNvPr>
+          <p:cNvSpPr txBox="1"/>
+          <p:nvPr/>
+        </p:nvSpPr>
+        <p:spPr>
+          <a:xfrm>
+            <a:off x="452963" y="419526"/>
+            <a:ext cx="1896673" cy="707886"/>
+          </a:xfrm>
+          <a:prstGeom prst="rect">
+            <a:avLst/>
+          </a:prstGeom>
+          <a:solidFill>
+            <a:schemeClr val="accent6">
+              <a:lumMod val="60000"/>
+              <a:lumOff val="40000"/>
+            </a:schemeClr>
+          </a:solidFill>
+          <a:ln>
+            <a:noFill/>
+          </a:ln>
+        </p:spPr>
+        <p:txBody>
+          <a:bodyPr wrap="none" rtlCol="0">
+            <a:spAutoFit/>
+          </a:bodyPr>
+          <a:lstStyle/>
+          <a:p>
+            <a:r>
+              <a:rPr lang="en-US" sz="4000" dirty="0">
+                <a:solidFill>
+                  <a:schemeClr val="tx2">
+                    <a:lumMod val="75000"/>
+                  </a:schemeClr>
+                </a:solidFill>
+                <a:latin typeface="Montserrat" panose="00000500000000000000" pitchFamily="2" charset="0"/>
+                <a:ea typeface="Roboto" panose="02000000000000000000" pitchFamily="2" charset="0"/>
+              </a:rPr>
+              <a:t>Step 7:</a:t>
+            </a:r>
+          </a:p>
+        </p:txBody>
+      </p:sp>
+      <p:sp>
+        <p:nvSpPr>
+          <p:cNvPr id="5" name="TextBox 4">
+            <a:extLst>
+              <a:ext uri="{FF2B5EF4-FFF2-40B4-BE49-F238E27FC236}">
+                <a16:creationId xmlns:a16="http://schemas.microsoft.com/office/drawing/2014/main" id="{6B77ECBE-F10A-464D-84F9-B1D523451E76}"/>
+              </a:ext>
+            </a:extLst>
+          </p:cNvPr>
+          <p:cNvSpPr txBox="1"/>
+          <p:nvPr/>
+        </p:nvSpPr>
+        <p:spPr>
+          <a:xfrm>
+            <a:off x="2727139" y="1966376"/>
+            <a:ext cx="6940020" cy="646331"/>
+          </a:xfrm>
+          <a:prstGeom prst="rect">
+            <a:avLst/>
+          </a:prstGeom>
+          <a:solidFill>
+            <a:schemeClr val="accent6">
+              <a:lumMod val="60000"/>
+              <a:lumOff val="40000"/>
+            </a:schemeClr>
+          </a:solidFill>
+          <a:ln>
+            <a:noFill/>
+          </a:ln>
+        </p:spPr>
+        <p:txBody>
+          <a:bodyPr wrap="square" rtlCol="0">
+            <a:spAutoFit/>
+          </a:bodyPr>
+          <a:lstStyle/>
+          <a:p>
+            <a:pPr algn="ctr"/>
+            <a:r>
+              <a:rPr lang="en-US" dirty="0">
+                <a:solidFill>
+                  <a:schemeClr val="tx2">
+                    <a:lumMod val="75000"/>
+                  </a:schemeClr>
+                </a:solidFill>
+                <a:latin typeface="Montserrat" panose="00000500000000000000" pitchFamily="2" charset="0"/>
+                <a:ea typeface="Roboto" panose="02000000000000000000" pitchFamily="2" charset="0"/>
+              </a:rPr>
+              <a:t>If you are ever having connection problems go to This PC &gt; Documents and delete the folder called ‘Time-Track’</a:t>
+            </a:r>
+          </a:p>
+        </p:txBody>
+      </p:sp>
+      <p:sp>
+        <p:nvSpPr>
+          <p:cNvPr id="6" name="TextBox 5">
+            <a:extLst>
+              <a:ext uri="{FF2B5EF4-FFF2-40B4-BE49-F238E27FC236}">
+                <a16:creationId xmlns:a16="http://schemas.microsoft.com/office/drawing/2014/main" id="{990B993E-01E2-4C1A-AB19-3231AB743FEF}"/>
+              </a:ext>
+            </a:extLst>
+          </p:cNvPr>
+          <p:cNvSpPr txBox="1"/>
+          <p:nvPr/>
+        </p:nvSpPr>
+        <p:spPr>
+          <a:xfrm>
+            <a:off x="3805124" y="2991231"/>
+            <a:ext cx="4784049" cy="646331"/>
+          </a:xfrm>
+          <a:prstGeom prst="rect">
+            <a:avLst/>
+          </a:prstGeom>
+          <a:solidFill>
+            <a:schemeClr val="accent6">
+              <a:lumMod val="60000"/>
+              <a:lumOff val="40000"/>
+            </a:schemeClr>
+          </a:solidFill>
+          <a:ln>
+            <a:noFill/>
+          </a:ln>
+        </p:spPr>
+        <p:txBody>
+          <a:bodyPr wrap="square" rtlCol="0">
+            <a:spAutoFit/>
+          </a:bodyPr>
+          <a:lstStyle/>
+          <a:p>
+            <a:pPr algn="ctr"/>
+            <a:r>
+              <a:rPr lang="en-US" dirty="0">
+                <a:solidFill>
+                  <a:schemeClr val="tx2">
+                    <a:lumMod val="75000"/>
+                  </a:schemeClr>
+                </a:solidFill>
+                <a:latin typeface="Montserrat" panose="00000500000000000000" pitchFamily="2" charset="0"/>
+                <a:ea typeface="Roboto" panose="02000000000000000000" pitchFamily="2" charset="0"/>
+              </a:rPr>
+              <a:t>Then just retry and fill in the appropriate info and you should be good to go!</a:t>
+            </a:r>
+          </a:p>
+        </p:txBody>
+      </p:sp>
+    </p:spTree>
+    <p:extLst>
+      <p:ext uri="{BB962C8B-B14F-4D97-AF65-F5344CB8AC3E}">
+        <p14:creationId xmlns:p14="http://schemas.microsoft.com/office/powerpoint/2010/main" val="1455839020"/>
       </p:ext>
     </p:extLst>
   </p:cSld>

--- a/Instructions/Connection Presentation.pptx
+++ b/Instructions/Connection Presentation.pptx
@@ -286,7 +286,7 @@
           <a:p>
             <a:fld id="{47A1B1CC-235D-474F-BE32-1508507563F7}" type="datetimeFigureOut">
               <a:rPr lang="en-US" smtClean="0"/>
-              <a:t>7/27/2017</a:t>
+              <a:t>8/8/2017</a:t>
             </a:fld>
             <a:endParaRPr lang="en-US"/>
           </a:p>
@@ -484,7 +484,7 @@
           <a:p>
             <a:fld id="{47A1B1CC-235D-474F-BE32-1508507563F7}" type="datetimeFigureOut">
               <a:rPr lang="en-US" smtClean="0"/>
-              <a:t>7/27/2017</a:t>
+              <a:t>8/8/2017</a:t>
             </a:fld>
             <a:endParaRPr lang="en-US"/>
           </a:p>
@@ -692,7 +692,7 @@
           <a:p>
             <a:fld id="{47A1B1CC-235D-474F-BE32-1508507563F7}" type="datetimeFigureOut">
               <a:rPr lang="en-US" smtClean="0"/>
-              <a:t>7/27/2017</a:t>
+              <a:t>8/8/2017</a:t>
             </a:fld>
             <a:endParaRPr lang="en-US"/>
           </a:p>
@@ -890,7 +890,7 @@
           <a:p>
             <a:fld id="{47A1B1CC-235D-474F-BE32-1508507563F7}" type="datetimeFigureOut">
               <a:rPr lang="en-US" smtClean="0"/>
-              <a:t>7/27/2017</a:t>
+              <a:t>8/8/2017</a:t>
             </a:fld>
             <a:endParaRPr lang="en-US"/>
           </a:p>
@@ -1165,7 +1165,7 @@
           <a:p>
             <a:fld id="{47A1B1CC-235D-474F-BE32-1508507563F7}" type="datetimeFigureOut">
               <a:rPr lang="en-US" smtClean="0"/>
-              <a:t>7/27/2017</a:t>
+              <a:t>8/8/2017</a:t>
             </a:fld>
             <a:endParaRPr lang="en-US"/>
           </a:p>
@@ -1430,7 +1430,7 @@
           <a:p>
             <a:fld id="{47A1B1CC-235D-474F-BE32-1508507563F7}" type="datetimeFigureOut">
               <a:rPr lang="en-US" smtClean="0"/>
-              <a:t>7/27/2017</a:t>
+              <a:t>8/8/2017</a:t>
             </a:fld>
             <a:endParaRPr lang="en-US"/>
           </a:p>
@@ -1842,7 +1842,7 @@
           <a:p>
             <a:fld id="{47A1B1CC-235D-474F-BE32-1508507563F7}" type="datetimeFigureOut">
               <a:rPr lang="en-US" smtClean="0"/>
-              <a:t>7/27/2017</a:t>
+              <a:t>8/8/2017</a:t>
             </a:fld>
             <a:endParaRPr lang="en-US"/>
           </a:p>
@@ -1983,7 +1983,7 @@
           <a:p>
             <a:fld id="{47A1B1CC-235D-474F-BE32-1508507563F7}" type="datetimeFigureOut">
               <a:rPr lang="en-US" smtClean="0"/>
-              <a:t>7/27/2017</a:t>
+              <a:t>8/8/2017</a:t>
             </a:fld>
             <a:endParaRPr lang="en-US"/>
           </a:p>
@@ -2096,7 +2096,7 @@
           <a:p>
             <a:fld id="{47A1B1CC-235D-474F-BE32-1508507563F7}" type="datetimeFigureOut">
               <a:rPr lang="en-US" smtClean="0"/>
-              <a:t>7/27/2017</a:t>
+              <a:t>8/8/2017</a:t>
             </a:fld>
             <a:endParaRPr lang="en-US"/>
           </a:p>
@@ -2407,7 +2407,7 @@
           <a:p>
             <a:fld id="{47A1B1CC-235D-474F-BE32-1508507563F7}" type="datetimeFigureOut">
               <a:rPr lang="en-US" smtClean="0"/>
-              <a:t>7/27/2017</a:t>
+              <a:t>8/8/2017</a:t>
             </a:fld>
             <a:endParaRPr lang="en-US"/>
           </a:p>
@@ -2695,7 +2695,7 @@
           <a:p>
             <a:fld id="{47A1B1CC-235D-474F-BE32-1508507563F7}" type="datetimeFigureOut">
               <a:rPr lang="en-US" smtClean="0"/>
-              <a:t>7/27/2017</a:t>
+              <a:t>8/8/2017</a:t>
             </a:fld>
             <a:endParaRPr lang="en-US"/>
           </a:p>
@@ -2936,7 +2936,7 @@
           <a:p>
             <a:fld id="{47A1B1CC-235D-474F-BE32-1508507563F7}" type="datetimeFigureOut">
               <a:rPr lang="en-US" smtClean="0"/>
-              <a:t>7/27/2017</a:t>
+              <a:t>8/8/2017</a:t>
             </a:fld>
             <a:endParaRPr lang="en-US"/>
           </a:p>
@@ -4097,7 +4097,7 @@
                 <a:latin typeface="Montserrat" panose="00000500000000000000" pitchFamily="2" charset="0"/>
                 <a:ea typeface="Roboto" panose="02000000000000000000" pitchFamily="2" charset="0"/>
               </a:rPr>
-              <a:t>Left click on the network icon in the bottom right hand side of the screen</a:t>
+              <a:t>Right click on the network icon in the bottom right hand side of the screen</a:t>
             </a:r>
           </a:p>
         </p:txBody>
